--- a/public/status.pptx
+++ b/public/status.pptx
@@ -104,6 +104,11 @@
       </a:defRPr>
     </a:lvl9pPr>
   </p:defaultTextStyle>
+  <p:extLst>
+    <p:ext uri="{EFAFB233-063F-42B5-8137-9DF3F51BA10A}">
+      <p15:sldGuideLst xmlns:p15="http://schemas.microsoft.com/office/powerpoint/2012/main"/>
+    </p:ext>
+  </p:extLst>
 </p:presentation>
 </file>
 
@@ -256,7 +261,7 @@
           <a:p>
             <a:fld id="{44B9D066-41B1-486F-BDAD-B2C9DCA2C9E6}" type="datetimeFigureOut">
               <a:rPr lang="en-US" smtClean="0"/>
-              <a:t>9/8/2019</a:t>
+              <a:t>9/9/2019</a:t>
             </a:fld>
             <a:endParaRPr lang="en-US" dirty="0"/>
           </a:p>
@@ -456,7 +461,7 @@
           <a:p>
             <a:fld id="{44B9D066-41B1-486F-BDAD-B2C9DCA2C9E6}" type="datetimeFigureOut">
               <a:rPr lang="en-US" smtClean="0"/>
-              <a:t>9/8/2019</a:t>
+              <a:t>9/9/2019</a:t>
             </a:fld>
             <a:endParaRPr lang="en-US" dirty="0"/>
           </a:p>
@@ -666,7 +671,7 @@
           <a:p>
             <a:fld id="{44B9D066-41B1-486F-BDAD-B2C9DCA2C9E6}" type="datetimeFigureOut">
               <a:rPr lang="en-US" smtClean="0"/>
-              <a:t>9/8/2019</a:t>
+              <a:t>9/9/2019</a:t>
             </a:fld>
             <a:endParaRPr lang="en-US" dirty="0"/>
           </a:p>
@@ -866,7 +871,7 @@
           <a:p>
             <a:fld id="{44B9D066-41B1-486F-BDAD-B2C9DCA2C9E6}" type="datetimeFigureOut">
               <a:rPr lang="en-US" smtClean="0"/>
-              <a:t>9/8/2019</a:t>
+              <a:t>9/9/2019</a:t>
             </a:fld>
             <a:endParaRPr lang="en-US" dirty="0"/>
           </a:p>
@@ -1142,7 +1147,7 @@
           <a:p>
             <a:fld id="{44B9D066-41B1-486F-BDAD-B2C9DCA2C9E6}" type="datetimeFigureOut">
               <a:rPr lang="en-US" smtClean="0"/>
-              <a:t>9/8/2019</a:t>
+              <a:t>9/9/2019</a:t>
             </a:fld>
             <a:endParaRPr lang="en-US" dirty="0"/>
           </a:p>
@@ -1410,7 +1415,7 @@
           <a:p>
             <a:fld id="{44B9D066-41B1-486F-BDAD-B2C9DCA2C9E6}" type="datetimeFigureOut">
               <a:rPr lang="en-US" smtClean="0"/>
-              <a:t>9/8/2019</a:t>
+              <a:t>9/9/2019</a:t>
             </a:fld>
             <a:endParaRPr lang="en-US" dirty="0"/>
           </a:p>
@@ -1825,7 +1830,7 @@
           <a:p>
             <a:fld id="{44B9D066-41B1-486F-BDAD-B2C9DCA2C9E6}" type="datetimeFigureOut">
               <a:rPr lang="en-US" smtClean="0"/>
-              <a:t>9/8/2019</a:t>
+              <a:t>9/9/2019</a:t>
             </a:fld>
             <a:endParaRPr lang="en-US" dirty="0"/>
           </a:p>
@@ -1967,7 +1972,7 @@
           <a:p>
             <a:fld id="{44B9D066-41B1-486F-BDAD-B2C9DCA2C9E6}" type="datetimeFigureOut">
               <a:rPr lang="en-US" smtClean="0"/>
-              <a:t>9/8/2019</a:t>
+              <a:t>9/9/2019</a:t>
             </a:fld>
             <a:endParaRPr lang="en-US" dirty="0"/>
           </a:p>
@@ -2080,7 +2085,7 @@
           <a:p>
             <a:fld id="{44B9D066-41B1-486F-BDAD-B2C9DCA2C9E6}" type="datetimeFigureOut">
               <a:rPr lang="en-US" smtClean="0"/>
-              <a:t>9/8/2019</a:t>
+              <a:t>9/9/2019</a:t>
             </a:fld>
             <a:endParaRPr lang="en-US" dirty="0"/>
           </a:p>
@@ -2393,7 +2398,7 @@
           <a:p>
             <a:fld id="{44B9D066-41B1-486F-BDAD-B2C9DCA2C9E6}" type="datetimeFigureOut">
               <a:rPr lang="en-US" smtClean="0"/>
-              <a:t>9/8/2019</a:t>
+              <a:t>9/9/2019</a:t>
             </a:fld>
             <a:endParaRPr lang="en-US" dirty="0"/>
           </a:p>
@@ -2682,7 +2687,7 @@
           <a:p>
             <a:fld id="{44B9D066-41B1-486F-BDAD-B2C9DCA2C9E6}" type="datetimeFigureOut">
               <a:rPr lang="en-US" smtClean="0"/>
-              <a:t>9/8/2019</a:t>
+              <a:t>9/9/2019</a:t>
             </a:fld>
             <a:endParaRPr lang="en-US" dirty="0"/>
           </a:p>
@@ -2925,7 +2930,7 @@
           <a:p>
             <a:fld id="{44B9D066-41B1-486F-BDAD-B2C9DCA2C9E6}" type="datetimeFigureOut">
               <a:rPr lang="en-US" smtClean="0"/>
-              <a:t>9/8/2019</a:t>
+              <a:t>9/9/2019</a:t>
             </a:fld>
             <a:endParaRPr lang="en-US" dirty="0"/>
           </a:p>
@@ -3344,10 +3349,10 @@
       </p:grpSpPr>
       <p:sp>
         <p:nvSpPr>
-          <p:cNvPr id="137" name="矩形 136">
-            <a:extLst>
-              <a:ext uri="{FF2B5EF4-FFF2-40B4-BE49-F238E27FC236}">
-                <a16:creationId xmlns:a16="http://schemas.microsoft.com/office/drawing/2014/main" id="{8D3B4879-3399-4538-9F55-871B4C21C569}"/>
+          <p:cNvPr id="115" name="矩形 114">
+            <a:extLst>
+              <a:ext uri="{FF2B5EF4-FFF2-40B4-BE49-F238E27FC236}">
+                <a16:creationId xmlns:a16="http://schemas.microsoft.com/office/drawing/2014/main" id="{F80072B8-BD1C-44F4-B371-4B4D45B1FF17}"/>
               </a:ext>
             </a:extLst>
           </p:cNvPr>
@@ -3356,8 +3361,63 @@
         </p:nvSpPr>
         <p:spPr>
           <a:xfrm>
-            <a:off x="4104095" y="572526"/>
-            <a:ext cx="4670955" cy="1665983"/>
+            <a:off x="-447675" y="2316029"/>
+            <a:ext cx="2333625" cy="3719080"/>
+          </a:xfrm>
+          <a:prstGeom prst="rect">
+            <a:avLst/>
+          </a:prstGeom>
+          <a:solidFill>
+            <a:schemeClr val="accent2">
+              <a:lumMod val="20000"/>
+              <a:lumOff val="80000"/>
+            </a:schemeClr>
+          </a:solidFill>
+          <a:ln>
+            <a:noFill/>
+          </a:ln>
+        </p:spPr>
+        <p:style>
+          <a:lnRef idx="2">
+            <a:schemeClr val="accent1">
+              <a:shade val="50000"/>
+            </a:schemeClr>
+          </a:lnRef>
+          <a:fillRef idx="1">
+            <a:schemeClr val="accent1"/>
+          </a:fillRef>
+          <a:effectRef idx="0">
+            <a:schemeClr val="accent1"/>
+          </a:effectRef>
+          <a:fontRef idx="minor">
+            <a:schemeClr val="lt1"/>
+          </a:fontRef>
+        </p:style>
+        <p:txBody>
+          <a:bodyPr rtlCol="0" anchor="ctr"/>
+          <a:lstStyle/>
+          <a:p>
+            <a:pPr algn="ctr"/>
+            <a:endParaRPr lang="en-US"/>
+          </a:p>
+        </p:txBody>
+      </p:sp>
+      <p:sp>
+        <p:nvSpPr>
+          <p:cNvPr id="137" name="矩形 136">
+            <a:extLst>
+              <a:ext uri="{FF2B5EF4-FFF2-40B4-BE49-F238E27FC236}">
+                <a16:creationId xmlns:a16="http://schemas.microsoft.com/office/drawing/2014/main" id="{8D3B4879-3399-4538-9F55-871B4C21C569}"/>
+              </a:ext>
+            </a:extLst>
+          </p:cNvPr>
+          <p:cNvSpPr/>
+          <p:nvPr/>
+        </p:nvSpPr>
+        <p:spPr>
+          <a:xfrm>
+            <a:off x="4104096" y="572526"/>
+            <a:ext cx="3682680" cy="1501883"/>
           </a:xfrm>
           <a:prstGeom prst="rect">
             <a:avLst/>
@@ -3411,8 +3471,8 @@
         </p:nvSpPr>
         <p:spPr>
           <a:xfrm>
-            <a:off x="5271507" y="3142302"/>
-            <a:ext cx="4670955" cy="1736784"/>
+            <a:off x="5271507" y="3242666"/>
+            <a:ext cx="3483741" cy="1636419"/>
           </a:xfrm>
           <a:prstGeom prst="rect">
             <a:avLst/>
@@ -3728,8 +3788,8 @@
         </p:nvSpPr>
         <p:spPr>
           <a:xfrm>
-            <a:off x="5385126" y="1443633"/>
-            <a:ext cx="968473" cy="707027"/>
+            <a:off x="5385126" y="1443634"/>
+            <a:ext cx="968473" cy="510084"/>
           </a:xfrm>
           <a:prstGeom prst="rect">
             <a:avLst/>
@@ -3760,7 +3820,7 @@
           <a:p>
             <a:pPr algn="ctr"/>
             <a:r>
-              <a:rPr lang="en-US" sz="1400" dirty="0">
+              <a:rPr lang="en-US" sz="1200" dirty="0">
                 <a:latin typeface="Segoe UI Light" panose="020B0502040204020203" pitchFamily="34" charset="0"/>
                 <a:cs typeface="Segoe UI Light" panose="020B0502040204020203" pitchFamily="34" charset="0"/>
               </a:rPr>
@@ -3770,7 +3830,7 @@
           <a:p>
             <a:pPr algn="ctr"/>
             <a:r>
-              <a:rPr lang="en-US" sz="1400" dirty="0">
+              <a:rPr lang="en-US" sz="1200" dirty="0">
                 <a:latin typeface="Segoe UI Light" panose="020B0502040204020203" pitchFamily="34" charset="0"/>
                 <a:cs typeface="Segoe UI Light" panose="020B0502040204020203" pitchFamily="34" charset="0"/>
               </a:rPr>
@@ -3780,7 +3840,7 @@
           <a:p>
             <a:pPr algn="ctr"/>
             <a:r>
-              <a:rPr lang="en-US" sz="1400" dirty="0">
+              <a:rPr lang="en-US" sz="1200" dirty="0">
                 <a:latin typeface="Segoe UI Light" panose="020B0502040204020203" pitchFamily="34" charset="0"/>
                 <a:cs typeface="Segoe UI Light" panose="020B0502040204020203" pitchFamily="34" charset="0"/>
               </a:rPr>
@@ -4183,7 +4243,7 @@
         <p:spPr>
           <a:xfrm flipH="1" flipV="1">
             <a:off x="5869361" y="1253236"/>
-            <a:ext cx="2" cy="190397"/>
+            <a:ext cx="2" cy="190398"/>
           </a:xfrm>
           <a:prstGeom prst="straightConnector1">
             <a:avLst/>
@@ -4436,8 +4496,8 @@
         </p:nvCxnSpPr>
         <p:spPr>
           <a:xfrm rot="16200000" flipH="1">
-            <a:off x="5738491" y="2281532"/>
-            <a:ext cx="266597" cy="4852"/>
+            <a:off x="5640020" y="2183061"/>
+            <a:ext cx="463539" cy="4852"/>
           </a:xfrm>
           <a:prstGeom prst="bentConnector3">
             <a:avLst>
@@ -4585,7 +4645,7 @@
         </p:nvSpPr>
         <p:spPr>
           <a:xfrm>
-            <a:off x="7695618" y="1541063"/>
+            <a:off x="6736582" y="1443634"/>
             <a:ext cx="968473" cy="512166"/>
           </a:xfrm>
           <a:prstGeom prst="rect">
@@ -4649,9 +4709,9 @@
           <p:nvPr/>
         </p:nvCxnSpPr>
         <p:spPr>
-          <a:xfrm flipV="1">
-            <a:off x="6353599" y="1797146"/>
-            <a:ext cx="1342019" cy="1"/>
+          <a:xfrm>
+            <a:off x="6353599" y="1698676"/>
+            <a:ext cx="382983" cy="1041"/>
           </a:xfrm>
           <a:prstGeom prst="straightConnector1">
             <a:avLst/>
@@ -4693,13 +4753,13 @@
         </p:nvCxnSpPr>
         <p:spPr>
           <a:xfrm rot="5400000" flipH="1">
-            <a:off x="7138686" y="1012060"/>
-            <a:ext cx="256082" cy="1826256"/>
+            <a:off x="6658647" y="1393628"/>
+            <a:ext cx="257124" cy="867220"/>
           </a:xfrm>
           <a:prstGeom prst="bentConnector4">
             <a:avLst>
-              <a:gd name="adj1" fmla="val -64471"/>
-              <a:gd name="adj2" fmla="val 63258"/>
+              <a:gd name="adj1" fmla="val -88907"/>
+              <a:gd name="adj2" fmla="val 77919"/>
             </a:avLst>
           </a:prstGeom>
           <a:ln>
@@ -4721,12 +4781,102 @@
           </a:fontRef>
         </p:style>
       </p:cxnSp>
-      <p:sp>
-        <p:nvSpPr>
-          <p:cNvPr id="86" name="矩形 85">
-            <a:extLst>
-              <a:ext uri="{FF2B5EF4-FFF2-40B4-BE49-F238E27FC236}">
-                <a16:creationId xmlns:a16="http://schemas.microsoft.com/office/drawing/2014/main" id="{F04F62D3-DC9E-4447-BB0E-6415260BAAAF}"/>
+      <p:cxnSp>
+        <p:nvCxnSpPr>
+          <p:cNvPr id="96" name="连接符: 肘形 95">
+            <a:extLst>
+              <a:ext uri="{FF2B5EF4-FFF2-40B4-BE49-F238E27FC236}">
+                <a16:creationId xmlns:a16="http://schemas.microsoft.com/office/drawing/2014/main" id="{642A2C31-FC1A-4C72-8251-21D0C9745030}"/>
+              </a:ext>
+            </a:extLst>
+          </p:cNvPr>
+          <p:cNvCxnSpPr>
+            <a:cxnSpLocks/>
+            <a:stCxn id="68" idx="2"/>
+            <a:endCxn id="31" idx="0"/>
+          </p:cNvCxnSpPr>
+          <p:nvPr/>
+        </p:nvCxnSpPr>
+        <p:spPr>
+          <a:xfrm rot="5400000">
+            <a:off x="6230039" y="2564679"/>
+            <a:ext cx="433895" cy="1155247"/>
+          </a:xfrm>
+          <a:prstGeom prst="bentConnector3">
+            <a:avLst>
+              <a:gd name="adj1" fmla="val 32438"/>
+            </a:avLst>
+          </a:prstGeom>
+          <a:ln>
+            <a:tailEnd type="triangle"/>
+          </a:ln>
+        </p:spPr>
+        <p:style>
+          <a:lnRef idx="1">
+            <a:schemeClr val="accent1"/>
+          </a:lnRef>
+          <a:fillRef idx="0">
+            <a:schemeClr val="accent1"/>
+          </a:fillRef>
+          <a:effectRef idx="0">
+            <a:schemeClr val="accent1"/>
+          </a:effectRef>
+          <a:fontRef idx="minor">
+            <a:schemeClr val="tx1"/>
+          </a:fontRef>
+        </p:style>
+      </p:cxnSp>
+      <p:cxnSp>
+        <p:nvCxnSpPr>
+          <p:cNvPr id="113" name="连接符: 肘形 112">
+            <a:extLst>
+              <a:ext uri="{FF2B5EF4-FFF2-40B4-BE49-F238E27FC236}">
+                <a16:creationId xmlns:a16="http://schemas.microsoft.com/office/drawing/2014/main" id="{7B06A397-59F5-436E-9535-2AB754CCD4A5}"/>
+              </a:ext>
+            </a:extLst>
+          </p:cNvPr>
+          <p:cNvCxnSpPr>
+            <a:cxnSpLocks/>
+            <a:stCxn id="34" idx="2"/>
+            <a:endCxn id="23" idx="2"/>
+          </p:cNvCxnSpPr>
+          <p:nvPr/>
+        </p:nvCxnSpPr>
+        <p:spPr>
+          <a:xfrm rot="5400000">
+            <a:off x="5852841" y="2711093"/>
+            <a:ext cx="2084" cy="2322730"/>
+          </a:xfrm>
+          <a:prstGeom prst="bentConnector3">
+            <a:avLst>
+              <a:gd name="adj1" fmla="val 9241075"/>
+            </a:avLst>
+          </a:prstGeom>
+          <a:ln>
+            <a:tailEnd type="triangle"/>
+          </a:ln>
+        </p:spPr>
+        <p:style>
+          <a:lnRef idx="1">
+            <a:schemeClr val="accent1"/>
+          </a:lnRef>
+          <a:fillRef idx="0">
+            <a:schemeClr val="accent1"/>
+          </a:fillRef>
+          <a:effectRef idx="0">
+            <a:schemeClr val="accent1"/>
+          </a:effectRef>
+          <a:fontRef idx="minor">
+            <a:schemeClr val="tx1"/>
+          </a:fontRef>
+        </p:style>
+      </p:cxnSp>
+      <p:sp>
+        <p:nvSpPr>
+          <p:cNvPr id="116" name="矩形 115">
+            <a:extLst>
+              <a:ext uri="{FF2B5EF4-FFF2-40B4-BE49-F238E27FC236}">
+                <a16:creationId xmlns:a16="http://schemas.microsoft.com/office/drawing/2014/main" id="{56318FAC-3DC7-4525-BE31-A5D76E4180A0}"/>
               </a:ext>
             </a:extLst>
           </p:cNvPr>
@@ -4735,7 +4885,7 @@
         </p:nvSpPr>
         <p:spPr>
           <a:xfrm>
-            <a:off x="7676897" y="3359250"/>
+            <a:off x="7705055" y="4263042"/>
             <a:ext cx="968473" cy="512166"/>
           </a:xfrm>
           <a:prstGeom prst="rect">
@@ -4772,11 +4922,111 @@
           <a:p>
             <a:pPr algn="ctr"/>
             <a:r>
+              <a:rPr lang="en-US" sz="1400" dirty="0">
+                <a:latin typeface="Segoe UI Light" panose="020B0502040204020203" pitchFamily="34" charset="0"/>
+                <a:cs typeface="Segoe UI Light" panose="020B0502040204020203" pitchFamily="34" charset="0"/>
+              </a:rPr>
+              <a:t>In range</a:t>
+            </a:r>
+          </a:p>
+        </p:txBody>
+      </p:sp>
+      <p:cxnSp>
+        <p:nvCxnSpPr>
+          <p:cNvPr id="117" name="连接符: 肘形 116">
+            <a:extLst>
+              <a:ext uri="{FF2B5EF4-FFF2-40B4-BE49-F238E27FC236}">
+                <a16:creationId xmlns:a16="http://schemas.microsoft.com/office/drawing/2014/main" id="{DE67337B-8261-4D94-BA8B-15F372445DEA}"/>
+              </a:ext>
+            </a:extLst>
+          </p:cNvPr>
+          <p:cNvCxnSpPr>
+            <a:cxnSpLocks/>
+            <a:stCxn id="14" idx="3"/>
+            <a:endCxn id="19" idx="1"/>
+          </p:cNvCxnSpPr>
+          <p:nvPr/>
+        </p:nvCxnSpPr>
+        <p:spPr>
+          <a:xfrm flipV="1">
+            <a:off x="5176754" y="1698676"/>
+            <a:ext cx="208372" cy="1041"/>
+          </a:xfrm>
+          <a:prstGeom prst="bentConnector3">
+            <a:avLst>
+              <a:gd name="adj1" fmla="val 50000"/>
+            </a:avLst>
+          </a:prstGeom>
+          <a:ln>
+            <a:tailEnd type="triangle"/>
+          </a:ln>
+        </p:spPr>
+        <p:style>
+          <a:lnRef idx="1">
+            <a:schemeClr val="accent1"/>
+          </a:lnRef>
+          <a:fillRef idx="0">
+            <a:schemeClr val="accent1"/>
+          </a:fillRef>
+          <a:effectRef idx="0">
+            <a:schemeClr val="accent1"/>
+          </a:effectRef>
+          <a:fontRef idx="minor">
+            <a:schemeClr val="tx1"/>
+          </a:fontRef>
+        </p:style>
+      </p:cxnSp>
+      <p:sp>
+        <p:nvSpPr>
+          <p:cNvPr id="120" name="矩形 119">
+            <a:extLst>
+              <a:ext uri="{FF2B5EF4-FFF2-40B4-BE49-F238E27FC236}">
+                <a16:creationId xmlns:a16="http://schemas.microsoft.com/office/drawing/2014/main" id="{D3866076-C936-4808-A339-97106AECC0E6}"/>
+              </a:ext>
+            </a:extLst>
+          </p:cNvPr>
+          <p:cNvSpPr/>
+          <p:nvPr/>
+        </p:nvSpPr>
+        <p:spPr>
+          <a:xfrm>
+            <a:off x="6520638" y="4263042"/>
+            <a:ext cx="968473" cy="512166"/>
+          </a:xfrm>
+          <a:prstGeom prst="rect">
+            <a:avLst/>
+          </a:prstGeom>
+          <a:ln>
+            <a:noFill/>
+          </a:ln>
+        </p:spPr>
+        <p:style>
+          <a:lnRef idx="2">
+            <a:schemeClr val="accent1">
+              <a:shade val="50000"/>
+            </a:schemeClr>
+          </a:lnRef>
+          <a:fillRef idx="1">
+            <a:schemeClr val="accent1"/>
+          </a:fillRef>
+          <a:effectRef idx="0">
+            <a:schemeClr val="accent1"/>
+          </a:effectRef>
+          <a:fontRef idx="minor">
+            <a:schemeClr val="lt1"/>
+          </a:fontRef>
+        </p:style>
+        <p:txBody>
+          <a:bodyPr lIns="0" tIns="0" rIns="0" bIns="0" rtlCol="0" anchor="ctr"/>
+          <a:lstStyle/>
+          <a:p>
+            <a:pPr algn="ctr"/>
+            <a:r>
               <a:rPr lang="en-US" sz="1400" dirty="0" err="1">
                 <a:latin typeface="Segoe UI Light" panose="020B0502040204020203" pitchFamily="34" charset="0"/>
                 <a:cs typeface="Segoe UI Light" panose="020B0502040204020203" pitchFamily="34" charset="0"/>
               </a:rPr>
-              <a:t>Unarrive</a:t>
+              <a:t>Move:undef</a:t>
             </a:r>
             <a:endParaRPr lang="en-US" sz="1400" dirty="0">
               <a:latin typeface="Segoe UI Light" panose="020B0502040204020203" pitchFamily="34" charset="0"/>
@@ -4787,29 +5037,27 @@
       </p:sp>
       <p:cxnSp>
         <p:nvCxnSpPr>
-          <p:cNvPr id="96" name="连接符: 肘形 95">
-            <a:extLst>
-              <a:ext uri="{FF2B5EF4-FFF2-40B4-BE49-F238E27FC236}">
-                <a16:creationId xmlns:a16="http://schemas.microsoft.com/office/drawing/2014/main" id="{642A2C31-FC1A-4C72-8251-21D0C9745030}"/>
+          <p:cNvPr id="121" name="直接箭头连接符 120">
+            <a:extLst>
+              <a:ext uri="{FF2B5EF4-FFF2-40B4-BE49-F238E27FC236}">
+                <a16:creationId xmlns:a16="http://schemas.microsoft.com/office/drawing/2014/main" id="{09DED342-7E23-4186-84EF-51D8EF384544}"/>
               </a:ext>
             </a:extLst>
           </p:cNvPr>
           <p:cNvCxnSpPr>
             <a:cxnSpLocks/>
-            <a:stCxn id="68" idx="2"/>
-            <a:endCxn id="31" idx="0"/>
+            <a:stCxn id="116" idx="1"/>
+            <a:endCxn id="120" idx="3"/>
           </p:cNvCxnSpPr>
           <p:nvPr/>
         </p:nvCxnSpPr>
         <p:spPr>
-          <a:xfrm rot="5400000">
-            <a:off x="6230039" y="2564679"/>
-            <a:ext cx="433895" cy="1155247"/>
-          </a:xfrm>
-          <a:prstGeom prst="bentConnector3">
-            <a:avLst>
-              <a:gd name="adj1" fmla="val 32438"/>
-            </a:avLst>
+          <a:xfrm flipH="1">
+            <a:off x="7489111" y="4519125"/>
+            <a:ext cx="215944" cy="0"/>
+          </a:xfrm>
+          <a:prstGeom prst="straightConnector1">
+            <a:avLst/>
           </a:prstGeom>
           <a:ln>
             <a:tailEnd type="triangle"/>
@@ -4832,26 +5080,26 @@
       </p:cxnSp>
       <p:cxnSp>
         <p:nvCxnSpPr>
-          <p:cNvPr id="110" name="直接箭头连接符 109">
-            <a:extLst>
-              <a:ext uri="{FF2B5EF4-FFF2-40B4-BE49-F238E27FC236}">
-                <a16:creationId xmlns:a16="http://schemas.microsoft.com/office/drawing/2014/main" id="{08324C82-2E3A-45A3-B700-67193AAD8B5E}"/>
+          <p:cNvPr id="125" name="连接符: 肘形 124">
+            <a:extLst>
+              <a:ext uri="{FF2B5EF4-FFF2-40B4-BE49-F238E27FC236}">
+                <a16:creationId xmlns:a16="http://schemas.microsoft.com/office/drawing/2014/main" id="{DC85FDA5-D845-40F2-82F3-D439B561BAAC}"/>
               </a:ext>
             </a:extLst>
           </p:cNvPr>
           <p:cNvCxnSpPr>
             <a:cxnSpLocks/>
-            <a:stCxn id="34" idx="3"/>
-            <a:endCxn id="86" idx="1"/>
+            <a:stCxn id="120" idx="1"/>
+            <a:endCxn id="4" idx="2"/>
           </p:cNvCxnSpPr>
           <p:nvPr/>
         </p:nvCxnSpPr>
         <p:spPr>
-          <a:xfrm>
-            <a:off x="7499484" y="3615333"/>
-            <a:ext cx="177413" cy="0"/>
-          </a:xfrm>
-          <a:prstGeom prst="straightConnector1">
+          <a:xfrm rot="10800000">
+            <a:off x="2249538" y="1955801"/>
+            <a:ext cx="4271101" cy="2563325"/>
+          </a:xfrm>
+          <a:prstGeom prst="bentConnector2">
             <a:avLst/>
           </a:prstGeom>
           <a:ln>
@@ -4875,28 +5123,28 @@
       </p:cxnSp>
       <p:cxnSp>
         <p:nvCxnSpPr>
-          <p:cNvPr id="113" name="连接符: 肘形 112">
-            <a:extLst>
-              <a:ext uri="{FF2B5EF4-FFF2-40B4-BE49-F238E27FC236}">
-                <a16:creationId xmlns:a16="http://schemas.microsoft.com/office/drawing/2014/main" id="{7B06A397-59F5-436E-9535-2AB754CCD4A5}"/>
+          <p:cNvPr id="132" name="连接符: 肘形 131">
+            <a:extLst>
+              <a:ext uri="{FF2B5EF4-FFF2-40B4-BE49-F238E27FC236}">
+                <a16:creationId xmlns:a16="http://schemas.microsoft.com/office/drawing/2014/main" id="{7E4CD73A-B265-4064-8C84-1615F3A83AFC}"/>
               </a:ext>
             </a:extLst>
           </p:cNvPr>
           <p:cNvCxnSpPr>
             <a:cxnSpLocks/>
-            <a:stCxn id="86" idx="0"/>
-            <a:endCxn id="34" idx="0"/>
+            <a:stCxn id="34" idx="2"/>
+            <a:endCxn id="116" idx="0"/>
           </p:cNvCxnSpPr>
           <p:nvPr/>
         </p:nvCxnSpPr>
         <p:spPr>
-          <a:xfrm rot="16200000" flipV="1">
-            <a:off x="7588191" y="2786307"/>
-            <a:ext cx="12700" cy="1145886"/>
+          <a:xfrm rot="16200000" flipH="1">
+            <a:off x="7406457" y="3480207"/>
+            <a:ext cx="391626" cy="1174044"/>
           </a:xfrm>
           <a:prstGeom prst="bentConnector3">
             <a:avLst>
-              <a:gd name="adj1" fmla="val 1300000"/>
+              <a:gd name="adj1" fmla="val 50000"/>
             </a:avLst>
           </a:prstGeom>
           <a:ln>
@@ -4920,10 +5168,129 @@
       </p:cxnSp>
       <p:sp>
         <p:nvSpPr>
-          <p:cNvPr id="116" name="矩形 115">
-            <a:extLst>
-              <a:ext uri="{FF2B5EF4-FFF2-40B4-BE49-F238E27FC236}">
-                <a16:creationId xmlns:a16="http://schemas.microsoft.com/office/drawing/2014/main" id="{56318FAC-3DC7-4525-BE31-A5D76E4180A0}"/>
+          <p:cNvPr id="138" name="文本框 137">
+            <a:extLst>
+              <a:ext uri="{FF2B5EF4-FFF2-40B4-BE49-F238E27FC236}">
+                <a16:creationId xmlns:a16="http://schemas.microsoft.com/office/drawing/2014/main" id="{D4E6ED32-F5E6-4132-AD1D-7FCE349A6732}"/>
+              </a:ext>
+            </a:extLst>
+          </p:cNvPr>
+          <p:cNvSpPr txBox="1"/>
+          <p:nvPr/>
+        </p:nvSpPr>
+        <p:spPr>
+          <a:xfrm>
+            <a:off x="7033236" y="570442"/>
+            <a:ext cx="753540" cy="369332"/>
+          </a:xfrm>
+          <a:prstGeom prst="rect">
+            <a:avLst/>
+          </a:prstGeom>
+          <a:noFill/>
+        </p:spPr>
+        <p:txBody>
+          <a:bodyPr wrap="none" rtlCol="0">
+            <a:spAutoFit/>
+          </a:bodyPr>
+          <a:lstStyle/>
+          <a:p>
+            <a:r>
+              <a:rPr lang="en-US" dirty="0">
+                <a:latin typeface="Segoe UI Light" panose="020B0502040204020203" pitchFamily="34" charset="0"/>
+                <a:cs typeface="Segoe UI Light" panose="020B0502040204020203" pitchFamily="34" charset="0"/>
+              </a:rPr>
+              <a:t>attack</a:t>
+            </a:r>
+          </a:p>
+        </p:txBody>
+      </p:sp>
+      <p:sp>
+        <p:nvSpPr>
+          <p:cNvPr id="139" name="文本框 138">
+            <a:extLst>
+              <a:ext uri="{FF2B5EF4-FFF2-40B4-BE49-F238E27FC236}">
+                <a16:creationId xmlns:a16="http://schemas.microsoft.com/office/drawing/2014/main" id="{D75686DB-AAA1-4DD7-BFFB-0A96D3A6DEAF}"/>
+              </a:ext>
+            </a:extLst>
+          </p:cNvPr>
+          <p:cNvSpPr txBox="1"/>
+          <p:nvPr/>
+        </p:nvSpPr>
+        <p:spPr>
+          <a:xfrm>
+            <a:off x="7948650" y="3233742"/>
+            <a:ext cx="724878" cy="369332"/>
+          </a:xfrm>
+          <a:prstGeom prst="rect">
+            <a:avLst/>
+          </a:prstGeom>
+          <a:noFill/>
+        </p:spPr>
+        <p:txBody>
+          <a:bodyPr wrap="none" rtlCol="0">
+            <a:spAutoFit/>
+          </a:bodyPr>
+          <a:lstStyle/>
+          <a:p>
+            <a:r>
+              <a:rPr lang="en-US" dirty="0">
+                <a:latin typeface="Segoe UI Light" panose="020B0502040204020203" pitchFamily="34" charset="0"/>
+                <a:cs typeface="Segoe UI Light" panose="020B0502040204020203" pitchFamily="34" charset="0"/>
+              </a:rPr>
+              <a:t>move</a:t>
+            </a:r>
+          </a:p>
+        </p:txBody>
+      </p:sp>
+      <p:cxnSp>
+        <p:nvCxnSpPr>
+          <p:cNvPr id="50" name="连接符: 肘形 49">
+            <a:extLst>
+              <a:ext uri="{FF2B5EF4-FFF2-40B4-BE49-F238E27FC236}">
+                <a16:creationId xmlns:a16="http://schemas.microsoft.com/office/drawing/2014/main" id="{0C731F6A-C61D-4FC5-AFFB-E3CB292311BD}"/>
+              </a:ext>
+            </a:extLst>
+          </p:cNvPr>
+          <p:cNvCxnSpPr>
+            <a:cxnSpLocks/>
+            <a:stCxn id="4" idx="1"/>
+            <a:endCxn id="53" idx="0"/>
+          </p:cNvCxnSpPr>
+          <p:nvPr/>
+        </p:nvCxnSpPr>
+        <p:spPr>
+          <a:xfrm rot="10800000" flipV="1">
+            <a:off x="1281064" y="1699716"/>
+            <a:ext cx="484236" cy="768249"/>
+          </a:xfrm>
+          <a:prstGeom prst="bentConnector2">
+            <a:avLst/>
+          </a:prstGeom>
+          <a:ln>
+            <a:tailEnd type="triangle"/>
+          </a:ln>
+        </p:spPr>
+        <p:style>
+          <a:lnRef idx="1">
+            <a:schemeClr val="accent1"/>
+          </a:lnRef>
+          <a:fillRef idx="0">
+            <a:schemeClr val="accent1"/>
+          </a:fillRef>
+          <a:effectRef idx="0">
+            <a:schemeClr val="accent1"/>
+          </a:effectRef>
+          <a:fontRef idx="minor">
+            <a:schemeClr val="tx1"/>
+          </a:fontRef>
+        </p:style>
+      </p:cxnSp>
+      <p:sp>
+        <p:nvSpPr>
+          <p:cNvPr id="53" name="矩形 52">
+            <a:extLst>
+              <a:ext uri="{FF2B5EF4-FFF2-40B4-BE49-F238E27FC236}">
+                <a16:creationId xmlns:a16="http://schemas.microsoft.com/office/drawing/2014/main" id="{FFD81033-0DDA-443B-8533-A8F3D26ECE2A}"/>
               </a:ext>
             </a:extLst>
           </p:cNvPr>
@@ -4932,7 +5299,7 @@
         </p:nvSpPr>
         <p:spPr>
           <a:xfrm>
-            <a:off x="7705055" y="4263042"/>
+            <a:off x="796827" y="2467966"/>
             <a:ext cx="968473" cy="512166"/>
           </a:xfrm>
           <a:prstGeom prst="rect">
@@ -4973,31 +5340,31 @@
                 <a:latin typeface="Segoe UI Light" panose="020B0502040204020203" pitchFamily="34" charset="0"/>
                 <a:cs typeface="Segoe UI Light" panose="020B0502040204020203" pitchFamily="34" charset="0"/>
               </a:rPr>
-              <a:t>Arrive</a:t>
+              <a:t>Mana full</a:t>
             </a:r>
           </a:p>
         </p:txBody>
       </p:sp>
       <p:cxnSp>
         <p:nvCxnSpPr>
-          <p:cNvPr id="117" name="连接符: 肘形 116">
-            <a:extLst>
-              <a:ext uri="{FF2B5EF4-FFF2-40B4-BE49-F238E27FC236}">
-                <a16:creationId xmlns:a16="http://schemas.microsoft.com/office/drawing/2014/main" id="{DE67337B-8261-4D94-BA8B-15F372445DEA}"/>
+          <p:cNvPr id="55" name="连接符: 肘形 54">
+            <a:extLst>
+              <a:ext uri="{FF2B5EF4-FFF2-40B4-BE49-F238E27FC236}">
+                <a16:creationId xmlns:a16="http://schemas.microsoft.com/office/drawing/2014/main" id="{38EB5913-55C6-43E8-8FDC-146C474174D5}"/>
               </a:ext>
             </a:extLst>
           </p:cNvPr>
           <p:cNvCxnSpPr>
             <a:cxnSpLocks/>
-            <a:stCxn id="14" idx="3"/>
-            <a:endCxn id="19" idx="1"/>
+            <a:stCxn id="19" idx="2"/>
+            <a:endCxn id="53" idx="0"/>
           </p:cNvCxnSpPr>
           <p:nvPr/>
         </p:nvCxnSpPr>
         <p:spPr>
-          <a:xfrm>
-            <a:off x="5176754" y="1699717"/>
-            <a:ext cx="208372" cy="97430"/>
+          <a:xfrm rot="5400000">
+            <a:off x="3318090" y="-83307"/>
+            <a:ext cx="514248" cy="4588299"/>
           </a:xfrm>
           <a:prstGeom prst="bentConnector3">
             <a:avLst>
@@ -5023,88 +5390,31 @@
           </a:fontRef>
         </p:style>
       </p:cxnSp>
-      <p:sp>
-        <p:nvSpPr>
-          <p:cNvPr id="120" name="矩形 119">
-            <a:extLst>
-              <a:ext uri="{FF2B5EF4-FFF2-40B4-BE49-F238E27FC236}">
-                <a16:creationId xmlns:a16="http://schemas.microsoft.com/office/drawing/2014/main" id="{D3866076-C936-4808-A339-97106AECC0E6}"/>
-              </a:ext>
-            </a:extLst>
-          </p:cNvPr>
-          <p:cNvSpPr/>
-          <p:nvPr/>
-        </p:nvSpPr>
-        <p:spPr>
-          <a:xfrm>
-            <a:off x="6520638" y="4263042"/>
-            <a:ext cx="968473" cy="512166"/>
-          </a:xfrm>
-          <a:prstGeom prst="rect">
-            <a:avLst/>
-          </a:prstGeom>
-          <a:ln>
-            <a:noFill/>
-          </a:ln>
-        </p:spPr>
-        <p:style>
-          <a:lnRef idx="2">
-            <a:schemeClr val="accent1">
-              <a:shade val="50000"/>
-            </a:schemeClr>
-          </a:lnRef>
-          <a:fillRef idx="1">
-            <a:schemeClr val="accent1"/>
-          </a:fillRef>
-          <a:effectRef idx="0">
-            <a:schemeClr val="accent1"/>
-          </a:effectRef>
-          <a:fontRef idx="minor">
-            <a:schemeClr val="lt1"/>
-          </a:fontRef>
-        </p:style>
-        <p:txBody>
-          <a:bodyPr lIns="0" tIns="0" rIns="0" bIns="0" rtlCol="0" anchor="ctr"/>
-          <a:lstStyle/>
-          <a:p>
-            <a:pPr algn="ctr"/>
-            <a:r>
-              <a:rPr lang="en-US" sz="1400" dirty="0" err="1">
-                <a:latin typeface="Segoe UI Light" panose="020B0502040204020203" pitchFamily="34" charset="0"/>
-                <a:cs typeface="Segoe UI Light" panose="020B0502040204020203" pitchFamily="34" charset="0"/>
-              </a:rPr>
-              <a:t>Move:undef</a:t>
-            </a:r>
-            <a:endParaRPr lang="en-US" sz="1400" dirty="0">
-              <a:latin typeface="Segoe UI Light" panose="020B0502040204020203" pitchFamily="34" charset="0"/>
-              <a:cs typeface="Segoe UI Light" panose="020B0502040204020203" pitchFamily="34" charset="0"/>
-            </a:endParaRPr>
-          </a:p>
-        </p:txBody>
-      </p:sp>
       <p:cxnSp>
         <p:nvCxnSpPr>
-          <p:cNvPr id="121" name="直接箭头连接符 120">
-            <a:extLst>
-              <a:ext uri="{FF2B5EF4-FFF2-40B4-BE49-F238E27FC236}">
-                <a16:creationId xmlns:a16="http://schemas.microsoft.com/office/drawing/2014/main" id="{09DED342-7E23-4186-84EF-51D8EF384544}"/>
+          <p:cNvPr id="61" name="连接符: 肘形 60">
+            <a:extLst>
+              <a:ext uri="{FF2B5EF4-FFF2-40B4-BE49-F238E27FC236}">
+                <a16:creationId xmlns:a16="http://schemas.microsoft.com/office/drawing/2014/main" id="{9506F1D8-9AE5-4D54-913F-E9AC53DFEAF5}"/>
               </a:ext>
             </a:extLst>
           </p:cNvPr>
           <p:cNvCxnSpPr>
             <a:cxnSpLocks/>
-            <a:stCxn id="116" idx="1"/>
-            <a:endCxn id="120" idx="3"/>
+            <a:stCxn id="67" idx="2"/>
+            <a:endCxn id="79" idx="2"/>
           </p:cNvCxnSpPr>
           <p:nvPr/>
         </p:nvCxnSpPr>
         <p:spPr>
-          <a:xfrm flipH="1">
-            <a:off x="7489111" y="4519125"/>
-            <a:ext cx="215944" cy="0"/>
-          </a:xfrm>
-          <a:prstGeom prst="straightConnector1">
-            <a:avLst/>
+          <a:xfrm rot="5400000">
+            <a:off x="713305" y="3801091"/>
+            <a:ext cx="12700" cy="1135514"/>
+          </a:xfrm>
+          <a:prstGeom prst="bentConnector3">
+            <a:avLst>
+              <a:gd name="adj1" fmla="val 1800000"/>
+            </a:avLst>
           </a:prstGeom>
           <a:ln>
             <a:tailEnd type="triangle"/>
@@ -5127,26 +5437,272 @@
       </p:cxnSp>
       <p:cxnSp>
         <p:nvCxnSpPr>
-          <p:cNvPr id="125" name="连接符: 肘形 124">
-            <a:extLst>
-              <a:ext uri="{FF2B5EF4-FFF2-40B4-BE49-F238E27FC236}">
-                <a16:creationId xmlns:a16="http://schemas.microsoft.com/office/drawing/2014/main" id="{DC85FDA5-D845-40F2-82F3-D439B561BAAC}"/>
+          <p:cNvPr id="62" name="直接箭头连接符 61">
+            <a:extLst>
+              <a:ext uri="{FF2B5EF4-FFF2-40B4-BE49-F238E27FC236}">
+                <a16:creationId xmlns:a16="http://schemas.microsoft.com/office/drawing/2014/main" id="{0D3265F3-2BE5-4A0D-805F-E7199024900B}"/>
               </a:ext>
             </a:extLst>
           </p:cNvPr>
           <p:cNvCxnSpPr>
             <a:cxnSpLocks/>
-            <a:stCxn id="120" idx="1"/>
-            <a:endCxn id="4" idx="2"/>
+            <a:stCxn id="53" idx="2"/>
+            <a:endCxn id="63" idx="0"/>
           </p:cNvCxnSpPr>
           <p:nvPr/>
         </p:nvCxnSpPr>
         <p:spPr>
-          <a:xfrm rot="10800000">
-            <a:off x="2249538" y="1955801"/>
-            <a:ext cx="4271101" cy="2563325"/>
-          </a:xfrm>
-          <a:prstGeom prst="bentConnector2">
+          <a:xfrm flipH="1">
+            <a:off x="1281063" y="2980132"/>
+            <a:ext cx="1" cy="182193"/>
+          </a:xfrm>
+          <a:prstGeom prst="straightConnector1">
+            <a:avLst/>
+          </a:prstGeom>
+          <a:ln>
+            <a:tailEnd type="triangle"/>
+          </a:ln>
+        </p:spPr>
+        <p:style>
+          <a:lnRef idx="1">
+            <a:schemeClr val="accent1"/>
+          </a:lnRef>
+          <a:fillRef idx="0">
+            <a:schemeClr val="accent1"/>
+          </a:fillRef>
+          <a:effectRef idx="0">
+            <a:schemeClr val="accent1"/>
+          </a:effectRef>
+          <a:fontRef idx="minor">
+            <a:schemeClr val="tx1"/>
+          </a:fontRef>
+        </p:style>
+      </p:cxnSp>
+      <p:sp>
+        <p:nvSpPr>
+          <p:cNvPr id="63" name="矩形 62">
+            <a:extLst>
+              <a:ext uri="{FF2B5EF4-FFF2-40B4-BE49-F238E27FC236}">
+                <a16:creationId xmlns:a16="http://schemas.microsoft.com/office/drawing/2014/main" id="{46BD2D38-2BC3-4500-B7F1-3D43502AA406}"/>
+              </a:ext>
+            </a:extLst>
+          </p:cNvPr>
+          <p:cNvSpPr/>
+          <p:nvPr/>
+        </p:nvSpPr>
+        <p:spPr>
+          <a:xfrm>
+            <a:off x="796826" y="3162325"/>
+            <a:ext cx="968473" cy="512166"/>
+          </a:xfrm>
+          <a:prstGeom prst="rect">
+            <a:avLst/>
+          </a:prstGeom>
+          <a:solidFill>
+            <a:schemeClr val="accent4">
+              <a:lumMod val="75000"/>
+            </a:schemeClr>
+          </a:solidFill>
+          <a:ln>
+            <a:noFill/>
+          </a:ln>
+        </p:spPr>
+        <p:style>
+          <a:lnRef idx="2">
+            <a:schemeClr val="accent1">
+              <a:shade val="50000"/>
+            </a:schemeClr>
+          </a:lnRef>
+          <a:fillRef idx="1">
+            <a:schemeClr val="accent1"/>
+          </a:fillRef>
+          <a:effectRef idx="0">
+            <a:schemeClr val="accent1"/>
+          </a:effectRef>
+          <a:fontRef idx="minor">
+            <a:schemeClr val="lt1"/>
+          </a:fontRef>
+        </p:style>
+        <p:txBody>
+          <a:bodyPr lIns="0" tIns="0" rIns="0" bIns="0" rtlCol="0" anchor="ctr"/>
+          <a:lstStyle/>
+          <a:p>
+            <a:pPr algn="ctr"/>
+            <a:r>
+              <a:rPr lang="en-US" sz="1200" dirty="0">
+                <a:latin typeface="Segoe UI Light" panose="020B0502040204020203" pitchFamily="34" charset="0"/>
+                <a:cs typeface="Segoe UI Light" panose="020B0502040204020203" pitchFamily="34" charset="0"/>
+              </a:rPr>
+              <a:t>Spell condition satisfied</a:t>
+            </a:r>
+          </a:p>
+        </p:txBody>
+      </p:sp>
+      <p:sp>
+        <p:nvSpPr>
+          <p:cNvPr id="67" name="矩形 66">
+            <a:extLst>
+              <a:ext uri="{FF2B5EF4-FFF2-40B4-BE49-F238E27FC236}">
+                <a16:creationId xmlns:a16="http://schemas.microsoft.com/office/drawing/2014/main" id="{0CBB6670-4ED8-4722-9AB0-FFF75F1F497F}"/>
+              </a:ext>
+            </a:extLst>
+          </p:cNvPr>
+          <p:cNvSpPr/>
+          <p:nvPr/>
+        </p:nvSpPr>
+        <p:spPr>
+          <a:xfrm>
+            <a:off x="796825" y="3856682"/>
+            <a:ext cx="968473" cy="512166"/>
+          </a:xfrm>
+          <a:prstGeom prst="rect">
+            <a:avLst/>
+          </a:prstGeom>
+          <a:ln>
+            <a:noFill/>
+          </a:ln>
+        </p:spPr>
+        <p:style>
+          <a:lnRef idx="2">
+            <a:schemeClr val="accent1">
+              <a:shade val="50000"/>
+            </a:schemeClr>
+          </a:lnRef>
+          <a:fillRef idx="1">
+            <a:schemeClr val="accent1"/>
+          </a:fillRef>
+          <a:effectRef idx="0">
+            <a:schemeClr val="accent1"/>
+          </a:effectRef>
+          <a:fontRef idx="minor">
+            <a:schemeClr val="lt1"/>
+          </a:fontRef>
+        </p:style>
+        <p:txBody>
+          <a:bodyPr lIns="0" tIns="0" rIns="0" bIns="0" rtlCol="0" anchor="ctr"/>
+          <a:lstStyle/>
+          <a:p>
+            <a:pPr algn="ctr"/>
+            <a:r>
+              <a:rPr lang="en-US" sz="1200" dirty="0">
+                <a:latin typeface="Segoe UI Light" panose="020B0502040204020203" pitchFamily="34" charset="0"/>
+                <a:cs typeface="Segoe UI Light" panose="020B0502040204020203" pitchFamily="34" charset="0"/>
+              </a:rPr>
+              <a:t>Spell:0</a:t>
+            </a:r>
+          </a:p>
+          <a:p>
+            <a:pPr algn="ctr"/>
+            <a:r>
+              <a:rPr lang="en-US" sz="1200" dirty="0" err="1">
+                <a:latin typeface="Segoe UI Light" panose="020B0502040204020203" pitchFamily="34" charset="0"/>
+                <a:cs typeface="Segoe UI Light" panose="020B0502040204020203" pitchFamily="34" charset="0"/>
+              </a:rPr>
+              <a:t>Ready:false</a:t>
+            </a:r>
+            <a:endParaRPr lang="en-US" sz="1200" dirty="0">
+              <a:latin typeface="Segoe UI Light" panose="020B0502040204020203" pitchFamily="34" charset="0"/>
+              <a:cs typeface="Segoe UI Light" panose="020B0502040204020203" pitchFamily="34" charset="0"/>
+            </a:endParaRPr>
+          </a:p>
+          <a:p>
+            <a:pPr algn="ctr"/>
+            <a:r>
+              <a:rPr lang="en-US" sz="1200" dirty="0" err="1">
+                <a:latin typeface="Segoe UI Light" panose="020B0502040204020203" pitchFamily="34" charset="0"/>
+                <a:cs typeface="Segoe UI Light" panose="020B0502040204020203" pitchFamily="34" charset="0"/>
+              </a:rPr>
+              <a:t>Attack:undef</a:t>
+            </a:r>
+            <a:endParaRPr lang="en-US" sz="1200" dirty="0">
+              <a:latin typeface="Segoe UI Light" panose="020B0502040204020203" pitchFamily="34" charset="0"/>
+              <a:cs typeface="Segoe UI Light" panose="020B0502040204020203" pitchFamily="34" charset="0"/>
+            </a:endParaRPr>
+          </a:p>
+        </p:txBody>
+      </p:sp>
+      <p:sp>
+        <p:nvSpPr>
+          <p:cNvPr id="79" name="矩形 78">
+            <a:extLst>
+              <a:ext uri="{FF2B5EF4-FFF2-40B4-BE49-F238E27FC236}">
+                <a16:creationId xmlns:a16="http://schemas.microsoft.com/office/drawing/2014/main" id="{EDC7AE91-0EC1-4DFE-AB78-37F3E53A3505}"/>
+              </a:ext>
+            </a:extLst>
+          </p:cNvPr>
+          <p:cNvSpPr/>
+          <p:nvPr/>
+        </p:nvSpPr>
+        <p:spPr>
+          <a:xfrm>
+            <a:off x="-338689" y="3856682"/>
+            <a:ext cx="968473" cy="512166"/>
+          </a:xfrm>
+          <a:prstGeom prst="rect">
+            <a:avLst/>
+          </a:prstGeom>
+          <a:solidFill>
+            <a:schemeClr val="accent4">
+              <a:lumMod val="75000"/>
+            </a:schemeClr>
+          </a:solidFill>
+          <a:ln>
+            <a:noFill/>
+          </a:ln>
+        </p:spPr>
+        <p:style>
+          <a:lnRef idx="2">
+            <a:schemeClr val="accent1">
+              <a:shade val="50000"/>
+            </a:schemeClr>
+          </a:lnRef>
+          <a:fillRef idx="1">
+            <a:schemeClr val="accent1"/>
+          </a:fillRef>
+          <a:effectRef idx="0">
+            <a:schemeClr val="accent1"/>
+          </a:effectRef>
+          <a:fontRef idx="minor">
+            <a:schemeClr val="lt1"/>
+          </a:fontRef>
+        </p:style>
+        <p:txBody>
+          <a:bodyPr lIns="0" tIns="0" rIns="0" bIns="0" rtlCol="0" anchor="ctr"/>
+          <a:lstStyle/>
+          <a:p>
+            <a:pPr algn="ctr"/>
+            <a:r>
+              <a:rPr lang="en-US" sz="1200" dirty="0">
+                <a:latin typeface="Segoe UI Light" panose="020B0502040204020203" pitchFamily="34" charset="0"/>
+                <a:cs typeface="Segoe UI Light" panose="020B0502040204020203" pitchFamily="34" charset="0"/>
+              </a:rPr>
+              <a:t>spelling</a:t>
+            </a:r>
+          </a:p>
+        </p:txBody>
+      </p:sp>
+      <p:cxnSp>
+        <p:nvCxnSpPr>
+          <p:cNvPr id="85" name="直接箭头连接符 84">
+            <a:extLst>
+              <a:ext uri="{FF2B5EF4-FFF2-40B4-BE49-F238E27FC236}">
+                <a16:creationId xmlns:a16="http://schemas.microsoft.com/office/drawing/2014/main" id="{2AEF3A45-3FA5-4653-9095-B201B93D4053}"/>
+              </a:ext>
+            </a:extLst>
+          </p:cNvPr>
+          <p:cNvCxnSpPr>
+            <a:cxnSpLocks/>
+            <a:stCxn id="63" idx="2"/>
+            <a:endCxn id="67" idx="0"/>
+          </p:cNvCxnSpPr>
+          <p:nvPr/>
+        </p:nvCxnSpPr>
+        <p:spPr>
+          <a:xfrm flipH="1">
+            <a:off x="1281062" y="3674491"/>
+            <a:ext cx="1" cy="182191"/>
+          </a:xfrm>
+          <a:prstGeom prst="straightConnector1">
             <a:avLst/>
           </a:prstGeom>
           <a:ln>
@@ -5170,29 +5726,27 @@
       </p:cxnSp>
       <p:cxnSp>
         <p:nvCxnSpPr>
-          <p:cNvPr id="132" name="连接符: 肘形 131">
-            <a:extLst>
-              <a:ext uri="{FF2B5EF4-FFF2-40B4-BE49-F238E27FC236}">
-                <a16:creationId xmlns:a16="http://schemas.microsoft.com/office/drawing/2014/main" id="{7E4CD73A-B265-4064-8C84-1615F3A83AFC}"/>
+          <p:cNvPr id="88" name="直接箭头连接符 87">
+            <a:extLst>
+              <a:ext uri="{FF2B5EF4-FFF2-40B4-BE49-F238E27FC236}">
+                <a16:creationId xmlns:a16="http://schemas.microsoft.com/office/drawing/2014/main" id="{3D877DBA-5B3D-4A23-B0F3-77356BEC888C}"/>
               </a:ext>
             </a:extLst>
           </p:cNvPr>
           <p:cNvCxnSpPr>
             <a:cxnSpLocks/>
-            <a:stCxn id="34" idx="2"/>
-            <a:endCxn id="116" idx="0"/>
+            <a:stCxn id="79" idx="3"/>
+            <a:endCxn id="67" idx="1"/>
           </p:cNvCxnSpPr>
           <p:nvPr/>
         </p:nvCxnSpPr>
         <p:spPr>
-          <a:xfrm rot="16200000" flipH="1">
-            <a:off x="7406457" y="3480207"/>
-            <a:ext cx="391626" cy="1174044"/>
-          </a:xfrm>
-          <a:prstGeom prst="bentConnector3">
-            <a:avLst>
-              <a:gd name="adj1" fmla="val 50000"/>
-            </a:avLst>
+          <a:xfrm>
+            <a:off x="629784" y="4112765"/>
+            <a:ext cx="167041" cy="0"/>
+          </a:xfrm>
+          <a:prstGeom prst="straightConnector1">
+            <a:avLst/>
           </a:prstGeom>
           <a:ln>
             <a:tailEnd type="triangle"/>
@@ -5215,80 +5769,252 @@
       </p:cxnSp>
       <p:sp>
         <p:nvSpPr>
-          <p:cNvPr id="138" name="文本框 137">
-            <a:extLst>
-              <a:ext uri="{FF2B5EF4-FFF2-40B4-BE49-F238E27FC236}">
-                <a16:creationId xmlns:a16="http://schemas.microsoft.com/office/drawing/2014/main" id="{D4E6ED32-F5E6-4132-AD1D-7FCE349A6732}"/>
-              </a:ext>
-            </a:extLst>
-          </p:cNvPr>
-          <p:cNvSpPr txBox="1"/>
+          <p:cNvPr id="92" name="矩形 91">
+            <a:extLst>
+              <a:ext uri="{FF2B5EF4-FFF2-40B4-BE49-F238E27FC236}">
+                <a16:creationId xmlns:a16="http://schemas.microsoft.com/office/drawing/2014/main" id="{0B87C31A-562E-4B04-A2B7-8A9075435AA0}"/>
+              </a:ext>
+            </a:extLst>
+          </p:cNvPr>
+          <p:cNvSpPr/>
           <p:nvPr/>
         </p:nvSpPr>
         <p:spPr>
           <a:xfrm>
-            <a:off x="8021510" y="523405"/>
-            <a:ext cx="753540" cy="369332"/>
+            <a:off x="803175" y="4775208"/>
+            <a:ext cx="968473" cy="512166"/>
           </a:xfrm>
           <a:prstGeom prst="rect">
             <a:avLst/>
           </a:prstGeom>
-          <a:noFill/>
-        </p:spPr>
-        <p:txBody>
-          <a:bodyPr wrap="none" rtlCol="0">
-            <a:spAutoFit/>
-          </a:bodyPr>
-          <a:lstStyle/>
-          <a:p>
-            <a:r>
-              <a:rPr lang="en-US" dirty="0">
+          <a:solidFill>
+            <a:schemeClr val="accent4">
+              <a:lumMod val="75000"/>
+            </a:schemeClr>
+          </a:solidFill>
+          <a:ln>
+            <a:noFill/>
+          </a:ln>
+        </p:spPr>
+        <p:style>
+          <a:lnRef idx="2">
+            <a:schemeClr val="accent1">
+              <a:shade val="50000"/>
+            </a:schemeClr>
+          </a:lnRef>
+          <a:fillRef idx="1">
+            <a:schemeClr val="accent1"/>
+          </a:fillRef>
+          <a:effectRef idx="0">
+            <a:schemeClr val="accent1"/>
+          </a:effectRef>
+          <a:fontRef idx="minor">
+            <a:schemeClr val="lt1"/>
+          </a:fontRef>
+        </p:style>
+        <p:txBody>
+          <a:bodyPr lIns="0" tIns="0" rIns="0" bIns="0" rtlCol="0" anchor="ctr"/>
+          <a:lstStyle/>
+          <a:p>
+            <a:pPr algn="ctr"/>
+            <a:r>
+              <a:rPr lang="en-US" sz="1200" dirty="0">
                 <a:latin typeface="Segoe UI Light" panose="020B0502040204020203" pitchFamily="34" charset="0"/>
                 <a:cs typeface="Segoe UI Light" panose="020B0502040204020203" pitchFamily="34" charset="0"/>
               </a:rPr>
-              <a:t>attack</a:t>
-            </a:r>
-          </a:p>
-        </p:txBody>
-      </p:sp>
-      <p:sp>
-        <p:nvSpPr>
-          <p:cNvPr id="139" name="文本框 138">
-            <a:extLst>
-              <a:ext uri="{FF2B5EF4-FFF2-40B4-BE49-F238E27FC236}">
-                <a16:creationId xmlns:a16="http://schemas.microsoft.com/office/drawing/2014/main" id="{D75686DB-AAA1-4DD7-BFFB-0A96D3A6DEAF}"/>
-              </a:ext>
-            </a:extLst>
-          </p:cNvPr>
-          <p:cNvSpPr txBox="1"/>
+              <a:t>Spell over</a:t>
+            </a:r>
+          </a:p>
+        </p:txBody>
+      </p:sp>
+      <p:cxnSp>
+        <p:nvCxnSpPr>
+          <p:cNvPr id="93" name="直接箭头连接符 92">
+            <a:extLst>
+              <a:ext uri="{FF2B5EF4-FFF2-40B4-BE49-F238E27FC236}">
+                <a16:creationId xmlns:a16="http://schemas.microsoft.com/office/drawing/2014/main" id="{EE3C736B-FFD1-4D18-93F9-D1FE96FC8602}"/>
+              </a:ext>
+            </a:extLst>
+          </p:cNvPr>
+          <p:cNvCxnSpPr>
+            <a:cxnSpLocks/>
+            <a:stCxn id="67" idx="2"/>
+            <a:endCxn id="92" idx="0"/>
+          </p:cNvCxnSpPr>
           <p:nvPr/>
-        </p:nvSpPr>
+        </p:nvCxnSpPr>
         <p:spPr>
           <a:xfrm>
-            <a:off x="9165839" y="4507765"/>
-            <a:ext cx="724878" cy="369332"/>
+            <a:off x="1281062" y="4368848"/>
+            <a:ext cx="6350" cy="406360"/>
+          </a:xfrm>
+          <a:prstGeom prst="straightConnector1">
+            <a:avLst/>
+          </a:prstGeom>
+          <a:ln>
+            <a:tailEnd type="triangle"/>
+          </a:ln>
+        </p:spPr>
+        <p:style>
+          <a:lnRef idx="1">
+            <a:schemeClr val="accent1"/>
+          </a:lnRef>
+          <a:fillRef idx="0">
+            <a:schemeClr val="accent1"/>
+          </a:fillRef>
+          <a:effectRef idx="0">
+            <a:schemeClr val="accent1"/>
+          </a:effectRef>
+          <a:fontRef idx="minor">
+            <a:schemeClr val="tx1"/>
+          </a:fontRef>
+        </p:style>
+      </p:cxnSp>
+      <p:cxnSp>
+        <p:nvCxnSpPr>
+          <p:cNvPr id="97" name="连接符: 肘形 96">
+            <a:extLst>
+              <a:ext uri="{FF2B5EF4-FFF2-40B4-BE49-F238E27FC236}">
+                <a16:creationId xmlns:a16="http://schemas.microsoft.com/office/drawing/2014/main" id="{7751EF39-47CB-457F-A529-0D6A2DFF0DA1}"/>
+              </a:ext>
+            </a:extLst>
+          </p:cNvPr>
+          <p:cNvCxnSpPr>
+            <a:cxnSpLocks/>
+            <a:stCxn id="99" idx="3"/>
+            <a:endCxn id="4" idx="2"/>
+          </p:cNvCxnSpPr>
+          <p:nvPr/>
+        </p:nvCxnSpPr>
+        <p:spPr>
+          <a:xfrm flipV="1">
+            <a:off x="1771648" y="1955800"/>
+            <a:ext cx="477889" cy="3731584"/>
+          </a:xfrm>
+          <a:prstGeom prst="bentConnector2">
+            <a:avLst/>
+          </a:prstGeom>
+          <a:ln>
+            <a:tailEnd type="triangle"/>
+          </a:ln>
+        </p:spPr>
+        <p:style>
+          <a:lnRef idx="1">
+            <a:schemeClr val="accent1"/>
+          </a:lnRef>
+          <a:fillRef idx="0">
+            <a:schemeClr val="accent1"/>
+          </a:fillRef>
+          <a:effectRef idx="0">
+            <a:schemeClr val="accent1"/>
+          </a:effectRef>
+          <a:fontRef idx="minor">
+            <a:schemeClr val="tx1"/>
+          </a:fontRef>
+        </p:style>
+      </p:cxnSp>
+      <p:sp>
+        <p:nvSpPr>
+          <p:cNvPr id="99" name="矩形 98">
+            <a:extLst>
+              <a:ext uri="{FF2B5EF4-FFF2-40B4-BE49-F238E27FC236}">
+                <a16:creationId xmlns:a16="http://schemas.microsoft.com/office/drawing/2014/main" id="{56C6DC57-4AF9-42F7-84B7-FE1EEE827AD7}"/>
+              </a:ext>
+            </a:extLst>
+          </p:cNvPr>
+          <p:cNvSpPr/>
+          <p:nvPr/>
+        </p:nvSpPr>
+        <p:spPr>
+          <a:xfrm>
+            <a:off x="803175" y="5431301"/>
+            <a:ext cx="968473" cy="512166"/>
           </a:xfrm>
           <a:prstGeom prst="rect">
             <a:avLst/>
           </a:prstGeom>
-          <a:noFill/>
-        </p:spPr>
-        <p:txBody>
-          <a:bodyPr wrap="none" rtlCol="0">
-            <a:spAutoFit/>
-          </a:bodyPr>
-          <a:lstStyle/>
-          <a:p>
-            <a:r>
-              <a:rPr lang="en-US" dirty="0">
+          <a:ln>
+            <a:noFill/>
+          </a:ln>
+        </p:spPr>
+        <p:style>
+          <a:lnRef idx="2">
+            <a:schemeClr val="accent1">
+              <a:shade val="50000"/>
+            </a:schemeClr>
+          </a:lnRef>
+          <a:fillRef idx="1">
+            <a:schemeClr val="accent1"/>
+          </a:fillRef>
+          <a:effectRef idx="0">
+            <a:schemeClr val="accent1"/>
+          </a:effectRef>
+          <a:fontRef idx="minor">
+            <a:schemeClr val="lt1"/>
+          </a:fontRef>
+        </p:style>
+        <p:txBody>
+          <a:bodyPr lIns="0" tIns="0" rIns="0" bIns="0" rtlCol="0" anchor="ctr"/>
+          <a:lstStyle/>
+          <a:p>
+            <a:pPr algn="ctr"/>
+            <a:r>
+              <a:rPr lang="en-US" sz="1200" dirty="0" err="1">
                 <a:latin typeface="Segoe UI Light" panose="020B0502040204020203" pitchFamily="34" charset="0"/>
                 <a:cs typeface="Segoe UI Light" panose="020B0502040204020203" pitchFamily="34" charset="0"/>
               </a:rPr>
-              <a:t>move</a:t>
-            </a:r>
-          </a:p>
-        </p:txBody>
-      </p:sp>
+              <a:t>Spell:undef</a:t>
+            </a:r>
+            <a:endParaRPr lang="en-US" sz="1200" dirty="0">
+              <a:latin typeface="Segoe UI Light" panose="020B0502040204020203" pitchFamily="34" charset="0"/>
+              <a:cs typeface="Segoe UI Light" panose="020B0502040204020203" pitchFamily="34" charset="0"/>
+            </a:endParaRPr>
+          </a:p>
+        </p:txBody>
+      </p:sp>
+      <p:cxnSp>
+        <p:nvCxnSpPr>
+          <p:cNvPr id="101" name="直接箭头连接符 100">
+            <a:extLst>
+              <a:ext uri="{FF2B5EF4-FFF2-40B4-BE49-F238E27FC236}">
+                <a16:creationId xmlns:a16="http://schemas.microsoft.com/office/drawing/2014/main" id="{29E29748-C9EE-41F0-80F4-D0DC25B6A96F}"/>
+              </a:ext>
+            </a:extLst>
+          </p:cNvPr>
+          <p:cNvCxnSpPr>
+            <a:cxnSpLocks/>
+            <a:stCxn id="92" idx="2"/>
+            <a:endCxn id="99" idx="0"/>
+          </p:cNvCxnSpPr>
+          <p:nvPr/>
+        </p:nvCxnSpPr>
+        <p:spPr>
+          <a:xfrm>
+            <a:off x="1287412" y="5287374"/>
+            <a:ext cx="0" cy="143927"/>
+          </a:xfrm>
+          <a:prstGeom prst="straightConnector1">
+            <a:avLst/>
+          </a:prstGeom>
+          <a:ln>
+            <a:tailEnd type="triangle"/>
+          </a:ln>
+        </p:spPr>
+        <p:style>
+          <a:lnRef idx="1">
+            <a:schemeClr val="accent1"/>
+          </a:lnRef>
+          <a:fillRef idx="0">
+            <a:schemeClr val="accent1"/>
+          </a:fillRef>
+          <a:effectRef idx="0">
+            <a:schemeClr val="accent1"/>
+          </a:effectRef>
+          <a:fontRef idx="minor">
+            <a:schemeClr val="tx1"/>
+          </a:fontRef>
+        </p:style>
+      </p:cxnSp>
     </p:spTree>
     <p:extLst>
       <p:ext uri="{BB962C8B-B14F-4D97-AF65-F5344CB8AC3E}">
